--- a/项目展示PPT/20160506改进与展示.pptx
+++ b/项目展示PPT/20160506改进与展示.pptx
@@ -11,6 +11,7 @@
     <p:sldId id="259" r:id="rId5"/>
     <p:sldId id="260" r:id="rId6"/>
     <p:sldId id="261" r:id="rId7"/>
+    <p:sldId id="262" r:id="rId8"/>
   </p:sldIdLst>
   <p:sldSz cx="12192000" cy="6858000"/>
   <p:notesSz cx="6858000" cy="9144000"/>
@@ -111,7 +112,7 @@
   </p:defaultTextStyle>
   <p:extLst>
     <p:ext uri="{EFAFB233-063F-42B5-8137-9DF3F51BA10A}">
-      <p15:sldGuideLst xmlns:p15="http://schemas.microsoft.com/office/powerpoint/2012/main"/>
+      <p15:sldGuideLst xmlns:p15="http://schemas.microsoft.com/office/powerpoint/2012/main" xmlns=""/>
     </p:ext>
   </p:extLst>
 </p:presentation>
@@ -166,8 +167,8 @@
           </a:prstGeom>
           <a:noFill/>
           <a:extLst>
-            <a:ext uri="{909E8E84-426E-40dd-AFC4-6F175D3DCCD1}">
-              <a14:hiddenFill xmlns="" xmlns:a14="http://schemas.microsoft.com/office/drawing/2010/main">
+            <a:ext uri="{909E8E84-426E-40DD-AFC4-6F175D3DCCD1}">
+              <a14:hiddenFill xmlns:a14="http://schemas.microsoft.com/office/drawing/2010/main">
                 <a:solidFill>
                   <a:srgbClr val="FFFFFF"/>
                 </a:solidFill>
@@ -226,8 +227,8 @@
               <a:noFill/>
             </a:ln>
             <a:extLst>
-              <a:ext uri="{91240B29-F687-4f45-9708-019B960494DF}">
-                <a14:hiddenLine xmlns="" xmlns:a14="http://schemas.microsoft.com/office/drawing/2010/main" w="9525">
+              <a:ext uri="{91240B29-F687-4F45-9708-019B960494DF}">
+                <a14:hiddenLine xmlns:a14="http://schemas.microsoft.com/office/drawing/2010/main" w="9525">
                   <a:solidFill>
                     <a:srgbClr val="000000"/>
                   </a:solidFill>
@@ -316,8 +317,8 @@
               <a:noFill/>
             </a:ln>
             <a:extLst>
-              <a:ext uri="{91240B29-F687-4f45-9708-019B960494DF}">
-                <a14:hiddenLine xmlns="" xmlns:a14="http://schemas.microsoft.com/office/drawing/2010/main" w="9525">
+              <a:ext uri="{91240B29-F687-4F45-9708-019B960494DF}">
+                <a14:hiddenLine xmlns:a14="http://schemas.microsoft.com/office/drawing/2010/main" w="9525">
                   <a:solidFill>
                     <a:srgbClr val="000000"/>
                   </a:solidFill>
@@ -406,8 +407,8 @@
               <a:noFill/>
             </a:ln>
             <a:extLst>
-              <a:ext uri="{91240B29-F687-4f45-9708-019B960494DF}">
-                <a14:hiddenLine xmlns="" xmlns:a14="http://schemas.microsoft.com/office/drawing/2010/main" w="9525">
+              <a:ext uri="{91240B29-F687-4F45-9708-019B960494DF}">
+                <a14:hiddenLine xmlns:a14="http://schemas.microsoft.com/office/drawing/2010/main" w="9525">
                   <a:solidFill>
                     <a:srgbClr val="000000"/>
                   </a:solidFill>
@@ -440,8 +441,8 @@
               <a:noFill/>
             </a:ln>
             <a:extLst>
-              <a:ext uri="{91240B29-F687-4f45-9708-019B960494DF}">
-                <a14:hiddenLine xmlns="" xmlns:a14="http://schemas.microsoft.com/office/drawing/2010/main" w="9525">
+              <a:ext uri="{91240B29-F687-4F45-9708-019B960494DF}">
+                <a14:hiddenLine xmlns:a14="http://schemas.microsoft.com/office/drawing/2010/main" w="9525">
                   <a:solidFill>
                     <a:srgbClr val="000000"/>
                   </a:solidFill>
@@ -530,8 +531,8 @@
               <a:noFill/>
             </a:ln>
             <a:extLst>
-              <a:ext uri="{91240B29-F687-4f45-9708-019B960494DF}">
-                <a14:hiddenLine xmlns="" xmlns:a14="http://schemas.microsoft.com/office/drawing/2010/main" w="9525">
+              <a:ext uri="{91240B29-F687-4F45-9708-019B960494DF}">
+                <a14:hiddenLine xmlns:a14="http://schemas.microsoft.com/office/drawing/2010/main" w="9525">
                   <a:solidFill>
                     <a:srgbClr val="000000"/>
                   </a:solidFill>
@@ -592,8 +593,8 @@
               <a:noFill/>
             </a:ln>
             <a:extLst>
-              <a:ext uri="{91240B29-F687-4f45-9708-019B960494DF}">
-                <a14:hiddenLine xmlns="" xmlns:a14="http://schemas.microsoft.com/office/drawing/2010/main" w="9525">
+              <a:ext uri="{91240B29-F687-4F45-9708-019B960494DF}">
+                <a14:hiddenLine xmlns:a14="http://schemas.microsoft.com/office/drawing/2010/main" w="9525">
                   <a:solidFill>
                     <a:srgbClr val="000000"/>
                   </a:solidFill>
@@ -654,8 +655,8 @@
               <a:noFill/>
             </a:ln>
             <a:extLst>
-              <a:ext uri="{91240B29-F687-4f45-9708-019B960494DF}">
-                <a14:hiddenLine xmlns="" xmlns:a14="http://schemas.microsoft.com/office/drawing/2010/main" w="9525">
+              <a:ext uri="{91240B29-F687-4F45-9708-019B960494DF}">
+                <a14:hiddenLine xmlns:a14="http://schemas.microsoft.com/office/drawing/2010/main" w="9525">
                   <a:solidFill>
                     <a:srgbClr val="000000"/>
                   </a:solidFill>
@@ -744,8 +745,8 @@
               <a:noFill/>
             </a:ln>
             <a:extLst>
-              <a:ext uri="{91240B29-F687-4f45-9708-019B960494DF}">
-                <a14:hiddenLine xmlns="" xmlns:a14="http://schemas.microsoft.com/office/drawing/2010/main" w="9525">
+              <a:ext uri="{91240B29-F687-4F45-9708-019B960494DF}">
+                <a14:hiddenLine xmlns:a14="http://schemas.microsoft.com/office/drawing/2010/main" w="9525">
                   <a:solidFill>
                     <a:srgbClr val="000000"/>
                   </a:solidFill>
@@ -806,8 +807,8 @@
               <a:noFill/>
             </a:ln>
             <a:extLst>
-              <a:ext uri="{91240B29-F687-4f45-9708-019B960494DF}">
-                <a14:hiddenLine xmlns="" xmlns:a14="http://schemas.microsoft.com/office/drawing/2010/main" w="9525">
+              <a:ext uri="{91240B29-F687-4F45-9708-019B960494DF}">
+                <a14:hiddenLine xmlns:a14="http://schemas.microsoft.com/office/drawing/2010/main" w="9525">
                   <a:solidFill>
                     <a:srgbClr val="000000"/>
                   </a:solidFill>
@@ -868,8 +869,8 @@
               <a:noFill/>
             </a:ln>
             <a:extLst>
-              <a:ext uri="{91240B29-F687-4f45-9708-019B960494DF}">
-                <a14:hiddenLine xmlns="" xmlns:a14="http://schemas.microsoft.com/office/drawing/2010/main" w="9525">
+              <a:ext uri="{91240B29-F687-4F45-9708-019B960494DF}">
+                <a14:hiddenLine xmlns:a14="http://schemas.microsoft.com/office/drawing/2010/main" w="9525">
                   <a:solidFill>
                     <a:srgbClr val="000000"/>
                   </a:solidFill>
@@ -958,8 +959,8 @@
               <a:noFill/>
             </a:ln>
             <a:extLst>
-              <a:ext uri="{91240B29-F687-4f45-9708-019B960494DF}">
-                <a14:hiddenLine xmlns="" xmlns:a14="http://schemas.microsoft.com/office/drawing/2010/main" w="9525">
+              <a:ext uri="{91240B29-F687-4F45-9708-019B960494DF}">
+                <a14:hiddenLine xmlns:a14="http://schemas.microsoft.com/office/drawing/2010/main" w="9525">
                   <a:solidFill>
                     <a:srgbClr val="000000"/>
                   </a:solidFill>
@@ -1048,8 +1049,8 @@
               <a:noFill/>
             </a:ln>
             <a:extLst>
-              <a:ext uri="{91240B29-F687-4f45-9708-019B960494DF}">
-                <a14:hiddenLine xmlns="" xmlns:a14="http://schemas.microsoft.com/office/drawing/2010/main" w="9525">
+              <a:ext uri="{91240B29-F687-4F45-9708-019B960494DF}">
+                <a14:hiddenLine xmlns:a14="http://schemas.microsoft.com/office/drawing/2010/main" w="9525">
                   <a:solidFill>
                     <a:srgbClr val="000000"/>
                   </a:solidFill>
@@ -1110,8 +1111,8 @@
               <a:noFill/>
             </a:ln>
             <a:extLst>
-              <a:ext uri="{91240B29-F687-4f45-9708-019B960494DF}">
-                <a14:hiddenLine xmlns="" xmlns:a14="http://schemas.microsoft.com/office/drawing/2010/main" w="9525">
+              <a:ext uri="{91240B29-F687-4F45-9708-019B960494DF}">
+                <a14:hiddenLine xmlns:a14="http://schemas.microsoft.com/office/drawing/2010/main" w="9525">
                   <a:solidFill>
                     <a:srgbClr val="000000"/>
                   </a:solidFill>
@@ -1220,8 +1221,8 @@
               <a:noFill/>
             </a:ln>
             <a:extLst>
-              <a:ext uri="{91240B29-F687-4f45-9708-019B960494DF}">
-                <a14:hiddenLine xmlns="" xmlns:a14="http://schemas.microsoft.com/office/drawing/2010/main" w="9525">
+              <a:ext uri="{91240B29-F687-4F45-9708-019B960494DF}">
+                <a14:hiddenLine xmlns:a14="http://schemas.microsoft.com/office/drawing/2010/main" w="9525">
                   <a:solidFill>
                     <a:srgbClr val="000000"/>
                   </a:solidFill>
@@ -1282,8 +1283,8 @@
               <a:noFill/>
             </a:ln>
             <a:extLst>
-              <a:ext uri="{91240B29-F687-4f45-9708-019B960494DF}">
-                <a14:hiddenLine xmlns="" xmlns:a14="http://schemas.microsoft.com/office/drawing/2010/main" w="9525">
+              <a:ext uri="{91240B29-F687-4F45-9708-019B960494DF}">
+                <a14:hiddenLine xmlns:a14="http://schemas.microsoft.com/office/drawing/2010/main" w="9525">
                   <a:solidFill>
                     <a:srgbClr val="000000"/>
                   </a:solidFill>
@@ -1372,8 +1373,8 @@
               <a:noFill/>
             </a:ln>
             <a:extLst>
-              <a:ext uri="{91240B29-F687-4f45-9708-019B960494DF}">
-                <a14:hiddenLine xmlns="" xmlns:a14="http://schemas.microsoft.com/office/drawing/2010/main" w="9525">
+              <a:ext uri="{91240B29-F687-4F45-9708-019B960494DF}">
+                <a14:hiddenLine xmlns:a14="http://schemas.microsoft.com/office/drawing/2010/main" w="9525">
                   <a:solidFill>
                     <a:srgbClr val="000000"/>
                   </a:solidFill>
@@ -1462,8 +1463,8 @@
               <a:noFill/>
             </a:ln>
             <a:extLst>
-              <a:ext uri="{91240B29-F687-4f45-9708-019B960494DF}">
-                <a14:hiddenLine xmlns="" xmlns:a14="http://schemas.microsoft.com/office/drawing/2010/main" w="9525">
+              <a:ext uri="{91240B29-F687-4F45-9708-019B960494DF}">
+                <a14:hiddenLine xmlns:a14="http://schemas.microsoft.com/office/drawing/2010/main" w="9525">
                   <a:solidFill>
                     <a:srgbClr val="000000"/>
                   </a:solidFill>
@@ -1524,8 +1525,8 @@
               <a:noFill/>
             </a:ln>
             <a:extLst>
-              <a:ext uri="{91240B29-F687-4f45-9708-019B960494DF}">
-                <a14:hiddenLine xmlns="" xmlns:a14="http://schemas.microsoft.com/office/drawing/2010/main" w="9525">
+              <a:ext uri="{91240B29-F687-4F45-9708-019B960494DF}">
+                <a14:hiddenLine xmlns:a14="http://schemas.microsoft.com/office/drawing/2010/main" w="9525">
                   <a:solidFill>
                     <a:srgbClr val="000000"/>
                   </a:solidFill>
@@ -1614,8 +1615,8 @@
               <a:noFill/>
             </a:ln>
             <a:extLst>
-              <a:ext uri="{91240B29-F687-4f45-9708-019B960494DF}">
-                <a14:hiddenLine xmlns="" xmlns:a14="http://schemas.microsoft.com/office/drawing/2010/main" w="9525">
+              <a:ext uri="{91240B29-F687-4F45-9708-019B960494DF}">
+                <a14:hiddenLine xmlns:a14="http://schemas.microsoft.com/office/drawing/2010/main" w="9525">
                   <a:solidFill>
                     <a:srgbClr val="000000"/>
                   </a:solidFill>
@@ -1704,8 +1705,8 @@
               <a:noFill/>
             </a:ln>
             <a:extLst>
-              <a:ext uri="{91240B29-F687-4f45-9708-019B960494DF}">
-                <a14:hiddenLine xmlns="" xmlns:a14="http://schemas.microsoft.com/office/drawing/2010/main" w="9525">
+              <a:ext uri="{91240B29-F687-4F45-9708-019B960494DF}">
+                <a14:hiddenLine xmlns:a14="http://schemas.microsoft.com/office/drawing/2010/main" w="9525">
                   <a:solidFill>
                     <a:srgbClr val="000000"/>
                   </a:solidFill>
@@ -1760,8 +1761,8 @@
               <a:noFill/>
             </a:ln>
             <a:extLst>
-              <a:ext uri="{91240B29-F687-4f45-9708-019B960494DF}">
-                <a14:hiddenLine xmlns="" xmlns:a14="http://schemas.microsoft.com/office/drawing/2010/main" w="9525">
+              <a:ext uri="{91240B29-F687-4F45-9708-019B960494DF}">
+                <a14:hiddenLine xmlns:a14="http://schemas.microsoft.com/office/drawing/2010/main" w="9525">
                   <a:solidFill>
                     <a:srgbClr val="000000"/>
                   </a:solidFill>
@@ -1850,8 +1851,8 @@
               <a:noFill/>
             </a:ln>
             <a:extLst>
-              <a:ext uri="{91240B29-F687-4f45-9708-019B960494DF}">
-                <a14:hiddenLine xmlns="" xmlns:a14="http://schemas.microsoft.com/office/drawing/2010/main" w="9525">
+              <a:ext uri="{91240B29-F687-4F45-9708-019B960494DF}">
+                <a14:hiddenLine xmlns:a14="http://schemas.microsoft.com/office/drawing/2010/main" w="9525">
                   <a:solidFill>
                     <a:srgbClr val="000000"/>
                   </a:solidFill>
@@ -1906,8 +1907,8 @@
               <a:noFill/>
             </a:ln>
             <a:extLst>
-              <a:ext uri="{91240B29-F687-4f45-9708-019B960494DF}">
-                <a14:hiddenLine xmlns="" xmlns:a14="http://schemas.microsoft.com/office/drawing/2010/main" w="9525">
+              <a:ext uri="{91240B29-F687-4F45-9708-019B960494DF}">
+                <a14:hiddenLine xmlns:a14="http://schemas.microsoft.com/office/drawing/2010/main" w="9525">
                   <a:solidFill>
                     <a:srgbClr val="000000"/>
                   </a:solidFill>
@@ -1996,8 +1997,8 @@
               <a:noFill/>
             </a:ln>
             <a:extLst>
-              <a:ext uri="{91240B29-F687-4f45-9708-019B960494DF}">
-                <a14:hiddenLine xmlns="" xmlns:a14="http://schemas.microsoft.com/office/drawing/2010/main" w="9525">
+              <a:ext uri="{91240B29-F687-4F45-9708-019B960494DF}">
+                <a14:hiddenLine xmlns:a14="http://schemas.microsoft.com/office/drawing/2010/main" w="9525">
                   <a:solidFill>
                     <a:srgbClr val="000000"/>
                   </a:solidFill>
@@ -2064,8 +2065,8 @@
               <a:noFill/>
             </a:ln>
             <a:extLst>
-              <a:ext uri="{91240B29-F687-4f45-9708-019B960494DF}">
-                <a14:hiddenLine xmlns="" xmlns:a14="http://schemas.microsoft.com/office/drawing/2010/main" w="9525">
+              <a:ext uri="{91240B29-F687-4F45-9708-019B960494DF}">
+                <a14:hiddenLine xmlns:a14="http://schemas.microsoft.com/office/drawing/2010/main" w="9525">
                   <a:solidFill>
                     <a:srgbClr val="000000"/>
                   </a:solidFill>
@@ -2154,8 +2155,8 @@
               <a:noFill/>
             </a:ln>
             <a:extLst>
-              <a:ext uri="{91240B29-F687-4f45-9708-019B960494DF}">
-                <a14:hiddenLine xmlns="" xmlns:a14="http://schemas.microsoft.com/office/drawing/2010/main" w="9525">
+              <a:ext uri="{91240B29-F687-4F45-9708-019B960494DF}">
+                <a14:hiddenLine xmlns:a14="http://schemas.microsoft.com/office/drawing/2010/main" w="9525">
                   <a:solidFill>
                     <a:srgbClr val="000000"/>
                   </a:solidFill>
@@ -2222,8 +2223,8 @@
               <a:noFill/>
             </a:ln>
             <a:extLst>
-              <a:ext uri="{91240B29-F687-4f45-9708-019B960494DF}">
-                <a14:hiddenLine xmlns="" xmlns:a14="http://schemas.microsoft.com/office/drawing/2010/main" w="9525">
+              <a:ext uri="{91240B29-F687-4F45-9708-019B960494DF}">
+                <a14:hiddenLine xmlns:a14="http://schemas.microsoft.com/office/drawing/2010/main" w="9525">
                   <a:solidFill>
                     <a:srgbClr val="000000"/>
                   </a:solidFill>
@@ -2312,8 +2313,8 @@
               <a:noFill/>
             </a:ln>
             <a:extLst>
-              <a:ext uri="{91240B29-F687-4f45-9708-019B960494DF}">
-                <a14:hiddenLine xmlns="" xmlns:a14="http://schemas.microsoft.com/office/drawing/2010/main" w="9525">
+              <a:ext uri="{91240B29-F687-4F45-9708-019B960494DF}">
+                <a14:hiddenLine xmlns:a14="http://schemas.microsoft.com/office/drawing/2010/main" w="9525">
                   <a:solidFill>
                     <a:srgbClr val="000000"/>
                   </a:solidFill>
@@ -2346,8 +2347,8 @@
               <a:noFill/>
             </a:ln>
             <a:extLst>
-              <a:ext uri="{91240B29-F687-4f45-9708-019B960494DF}">
-                <a14:hiddenLine xmlns="" xmlns:a14="http://schemas.microsoft.com/office/drawing/2010/main" w="9525">
+              <a:ext uri="{91240B29-F687-4F45-9708-019B960494DF}">
+                <a14:hiddenLine xmlns:a14="http://schemas.microsoft.com/office/drawing/2010/main" w="9525">
                   <a:solidFill>
                     <a:srgbClr val="000000"/>
                   </a:solidFill>
@@ -2436,8 +2437,8 @@
               <a:noFill/>
             </a:ln>
             <a:extLst>
-              <a:ext uri="{91240B29-F687-4f45-9708-019B960494DF}">
-                <a14:hiddenLine xmlns="" xmlns:a14="http://schemas.microsoft.com/office/drawing/2010/main" w="9525">
+              <a:ext uri="{91240B29-F687-4F45-9708-019B960494DF}">
+                <a14:hiddenLine xmlns:a14="http://schemas.microsoft.com/office/drawing/2010/main" w="9525">
                   <a:solidFill>
                     <a:srgbClr val="000000"/>
                   </a:solidFill>
@@ -2498,8 +2499,8 @@
               <a:noFill/>
             </a:ln>
             <a:extLst>
-              <a:ext uri="{91240B29-F687-4f45-9708-019B960494DF}">
-                <a14:hiddenLine xmlns="" xmlns:a14="http://schemas.microsoft.com/office/drawing/2010/main" w="9525">
+              <a:ext uri="{91240B29-F687-4F45-9708-019B960494DF}">
+                <a14:hiddenLine xmlns:a14="http://schemas.microsoft.com/office/drawing/2010/main" w="9525">
                   <a:solidFill>
                     <a:srgbClr val="000000"/>
                   </a:solidFill>
@@ -2560,8 +2561,8 @@
               <a:noFill/>
             </a:ln>
             <a:extLst>
-              <a:ext uri="{91240B29-F687-4f45-9708-019B960494DF}">
-                <a14:hiddenLine xmlns="" xmlns:a14="http://schemas.microsoft.com/office/drawing/2010/main" w="9525">
+              <a:ext uri="{91240B29-F687-4F45-9708-019B960494DF}">
+                <a14:hiddenLine xmlns:a14="http://schemas.microsoft.com/office/drawing/2010/main" w="9525">
                   <a:solidFill>
                     <a:srgbClr val="000000"/>
                   </a:solidFill>
@@ -2650,8 +2651,8 @@
               <a:noFill/>
             </a:ln>
             <a:extLst>
-              <a:ext uri="{91240B29-F687-4f45-9708-019B960494DF}">
-                <a14:hiddenLine xmlns="" xmlns:a14="http://schemas.microsoft.com/office/drawing/2010/main" w="9525">
+              <a:ext uri="{91240B29-F687-4F45-9708-019B960494DF}">
+                <a14:hiddenLine xmlns:a14="http://schemas.microsoft.com/office/drawing/2010/main" w="9525">
                   <a:solidFill>
                     <a:srgbClr val="000000"/>
                   </a:solidFill>
@@ -2718,8 +2719,8 @@
               <a:noFill/>
             </a:ln>
             <a:extLst>
-              <a:ext uri="{91240B29-F687-4f45-9708-019B960494DF}">
-                <a14:hiddenLine xmlns="" xmlns:a14="http://schemas.microsoft.com/office/drawing/2010/main" w="9525">
+              <a:ext uri="{91240B29-F687-4F45-9708-019B960494DF}">
+                <a14:hiddenLine xmlns:a14="http://schemas.microsoft.com/office/drawing/2010/main" w="9525">
                   <a:solidFill>
                     <a:srgbClr val="000000"/>
                   </a:solidFill>
@@ -2780,8 +2781,8 @@
               <a:noFill/>
             </a:ln>
             <a:extLst>
-              <a:ext uri="{91240B29-F687-4f45-9708-019B960494DF}">
-                <a14:hiddenLine xmlns="" xmlns:a14="http://schemas.microsoft.com/office/drawing/2010/main" w="9525">
+              <a:ext uri="{91240B29-F687-4F45-9708-019B960494DF}">
+                <a14:hiddenLine xmlns:a14="http://schemas.microsoft.com/office/drawing/2010/main" w="9525">
                   <a:solidFill>
                     <a:srgbClr val="000000"/>
                   </a:solidFill>
@@ -2870,8 +2871,8 @@
               <a:noFill/>
             </a:ln>
             <a:extLst>
-              <a:ext uri="{91240B29-F687-4f45-9708-019B960494DF}">
-                <a14:hiddenLine xmlns="" xmlns:a14="http://schemas.microsoft.com/office/drawing/2010/main" w="9525">
+              <a:ext uri="{91240B29-F687-4F45-9708-019B960494DF}">
+                <a14:hiddenLine xmlns:a14="http://schemas.microsoft.com/office/drawing/2010/main" w="9525">
                   <a:solidFill>
                     <a:srgbClr val="000000"/>
                   </a:solidFill>
@@ -2932,8 +2933,8 @@
               <a:noFill/>
             </a:ln>
             <a:extLst>
-              <a:ext uri="{91240B29-F687-4f45-9708-019B960494DF}">
-                <a14:hiddenLine xmlns="" xmlns:a14="http://schemas.microsoft.com/office/drawing/2010/main" w="9525">
+              <a:ext uri="{91240B29-F687-4F45-9708-019B960494DF}">
+                <a14:hiddenLine xmlns:a14="http://schemas.microsoft.com/office/drawing/2010/main" w="9525">
                   <a:solidFill>
                     <a:srgbClr val="000000"/>
                   </a:solidFill>
@@ -3022,8 +3023,8 @@
               <a:noFill/>
             </a:ln>
             <a:extLst>
-              <a:ext uri="{91240B29-F687-4f45-9708-019B960494DF}">
-                <a14:hiddenLine xmlns="" xmlns:a14="http://schemas.microsoft.com/office/drawing/2010/main" w="9525">
+              <a:ext uri="{91240B29-F687-4F45-9708-019B960494DF}">
+                <a14:hiddenLine xmlns:a14="http://schemas.microsoft.com/office/drawing/2010/main" w="9525">
                   <a:solidFill>
                     <a:srgbClr val="000000"/>
                   </a:solidFill>
@@ -3084,8 +3085,8 @@
               <a:noFill/>
             </a:ln>
             <a:extLst>
-              <a:ext uri="{91240B29-F687-4f45-9708-019B960494DF}">
-                <a14:hiddenLine xmlns="" xmlns:a14="http://schemas.microsoft.com/office/drawing/2010/main" w="9525">
+              <a:ext uri="{91240B29-F687-4F45-9708-019B960494DF}">
+                <a14:hiddenLine xmlns:a14="http://schemas.microsoft.com/office/drawing/2010/main" w="9525">
                   <a:solidFill>
                     <a:srgbClr val="000000"/>
                   </a:solidFill>
@@ -3174,8 +3175,8 @@
               <a:noFill/>
             </a:ln>
             <a:extLst>
-              <a:ext uri="{91240B29-F687-4f45-9708-019B960494DF}">
-                <a14:hiddenLine xmlns="" xmlns:a14="http://schemas.microsoft.com/office/drawing/2010/main" w="9525">
+              <a:ext uri="{91240B29-F687-4F45-9708-019B960494DF}">
+                <a14:hiddenLine xmlns:a14="http://schemas.microsoft.com/office/drawing/2010/main" w="9525">
                   <a:solidFill>
                     <a:srgbClr val="000000"/>
                   </a:solidFill>
@@ -3208,8 +3209,8 @@
               <a:noFill/>
             </a:ln>
             <a:extLst>
-              <a:ext uri="{91240B29-F687-4f45-9708-019B960494DF}">
-                <a14:hiddenLine xmlns="" xmlns:a14="http://schemas.microsoft.com/office/drawing/2010/main" w="9525">
+              <a:ext uri="{91240B29-F687-4F45-9708-019B960494DF}">
+                <a14:hiddenLine xmlns:a14="http://schemas.microsoft.com/office/drawing/2010/main" w="9525">
                   <a:solidFill>
                     <a:srgbClr val="000000"/>
                   </a:solidFill>
@@ -3273,8 +3274,8 @@
               <a:noFill/>
             </a:ln>
             <a:extLst>
-              <a:ext uri="{91240B29-F687-4f45-9708-019B960494DF}">
-                <a14:hiddenLine xmlns="" xmlns:a14="http://schemas.microsoft.com/office/drawing/2010/main" w="9525">
+              <a:ext uri="{91240B29-F687-4F45-9708-019B960494DF}">
+                <a14:hiddenLine xmlns:a14="http://schemas.microsoft.com/office/drawing/2010/main" w="9525">
                   <a:solidFill>
                     <a:srgbClr val="000000"/>
                   </a:solidFill>
@@ -3363,8 +3364,8 @@
               <a:noFill/>
             </a:ln>
             <a:extLst>
-              <a:ext uri="{91240B29-F687-4f45-9708-019B960494DF}">
-                <a14:hiddenLine xmlns="" xmlns:a14="http://schemas.microsoft.com/office/drawing/2010/main" w="9525">
+              <a:ext uri="{91240B29-F687-4F45-9708-019B960494DF}">
+                <a14:hiddenLine xmlns:a14="http://schemas.microsoft.com/office/drawing/2010/main" w="9525">
                   <a:solidFill>
                     <a:srgbClr val="000000"/>
                   </a:solidFill>
@@ -3425,8 +3426,8 @@
               <a:noFill/>
             </a:ln>
             <a:extLst>
-              <a:ext uri="{91240B29-F687-4f45-9708-019B960494DF}">
-                <a14:hiddenLine xmlns="" xmlns:a14="http://schemas.microsoft.com/office/drawing/2010/main" w="9525">
+              <a:ext uri="{91240B29-F687-4F45-9708-019B960494DF}">
+                <a14:hiddenLine xmlns:a14="http://schemas.microsoft.com/office/drawing/2010/main" w="9525">
                   <a:solidFill>
                     <a:srgbClr val="000000"/>
                   </a:solidFill>
@@ -3515,8 +3516,8 @@
               <a:noFill/>
             </a:ln>
             <a:extLst>
-              <a:ext uri="{91240B29-F687-4f45-9708-019B960494DF}">
-                <a14:hiddenLine xmlns="" xmlns:a14="http://schemas.microsoft.com/office/drawing/2010/main" w="9525">
+              <a:ext uri="{91240B29-F687-4F45-9708-019B960494DF}">
+                <a14:hiddenLine xmlns:a14="http://schemas.microsoft.com/office/drawing/2010/main" w="9525">
                   <a:solidFill>
                     <a:srgbClr val="000000"/>
                   </a:solidFill>
@@ -3605,8 +3606,8 @@
               <a:noFill/>
             </a:ln>
             <a:extLst>
-              <a:ext uri="{91240B29-F687-4f45-9708-019B960494DF}">
-                <a14:hiddenLine xmlns="" xmlns:a14="http://schemas.microsoft.com/office/drawing/2010/main" w="9525">
+              <a:ext uri="{91240B29-F687-4F45-9708-019B960494DF}">
+                <a14:hiddenLine xmlns:a14="http://schemas.microsoft.com/office/drawing/2010/main" w="9525">
                   <a:solidFill>
                     <a:srgbClr val="000000"/>
                   </a:solidFill>
@@ -3670,8 +3671,8 @@
               <a:noFill/>
             </a:ln>
             <a:extLst>
-              <a:ext uri="{91240B29-F687-4f45-9708-019B960494DF}">
-                <a14:hiddenLine xmlns="" xmlns:a14="http://schemas.microsoft.com/office/drawing/2010/main" w="9525">
+              <a:ext uri="{91240B29-F687-4F45-9708-019B960494DF}">
+                <a14:hiddenLine xmlns:a14="http://schemas.microsoft.com/office/drawing/2010/main" w="9525">
                   <a:solidFill>
                     <a:srgbClr val="000000"/>
                   </a:solidFill>
@@ -3732,8 +3733,8 @@
               <a:noFill/>
             </a:ln>
             <a:extLst>
-              <a:ext uri="{91240B29-F687-4f45-9708-019B960494DF}">
-                <a14:hiddenLine xmlns="" xmlns:a14="http://schemas.microsoft.com/office/drawing/2010/main" w="9525">
+              <a:ext uri="{91240B29-F687-4F45-9708-019B960494DF}">
+                <a14:hiddenLine xmlns:a14="http://schemas.microsoft.com/office/drawing/2010/main" w="9525">
                   <a:solidFill>
                     <a:srgbClr val="000000"/>
                   </a:solidFill>
@@ -3822,8 +3823,8 @@
               <a:noFill/>
             </a:ln>
             <a:extLst>
-              <a:ext uri="{91240B29-F687-4f45-9708-019B960494DF}">
-                <a14:hiddenLine xmlns="" xmlns:a14="http://schemas.microsoft.com/office/drawing/2010/main" w="9525">
+              <a:ext uri="{91240B29-F687-4F45-9708-019B960494DF}">
+                <a14:hiddenLine xmlns:a14="http://schemas.microsoft.com/office/drawing/2010/main" w="9525">
                   <a:solidFill>
                     <a:srgbClr val="000000"/>
                   </a:solidFill>
@@ -3912,8 +3913,8 @@
               <a:noFill/>
             </a:ln>
             <a:extLst>
-              <a:ext uri="{91240B29-F687-4f45-9708-019B960494DF}">
-                <a14:hiddenLine xmlns="" xmlns:a14="http://schemas.microsoft.com/office/drawing/2010/main" w="9525">
+              <a:ext uri="{91240B29-F687-4F45-9708-019B960494DF}">
+                <a14:hiddenLine xmlns:a14="http://schemas.microsoft.com/office/drawing/2010/main" w="9525">
                   <a:solidFill>
                     <a:srgbClr val="000000"/>
                   </a:solidFill>
@@ -3974,8 +3975,8 @@
               <a:noFill/>
             </a:ln>
             <a:extLst>
-              <a:ext uri="{91240B29-F687-4f45-9708-019B960494DF}">
-                <a14:hiddenLine xmlns="" xmlns:a14="http://schemas.microsoft.com/office/drawing/2010/main" w="9525">
+              <a:ext uri="{91240B29-F687-4F45-9708-019B960494DF}">
+                <a14:hiddenLine xmlns:a14="http://schemas.microsoft.com/office/drawing/2010/main" w="9525">
                   <a:solidFill>
                     <a:srgbClr val="000000"/>
                   </a:solidFill>
@@ -4094,8 +4095,8 @@
               <a:noFill/>
             </a:ln>
             <a:extLst>
-              <a:ext uri="{91240B29-F687-4f45-9708-019B960494DF}">
-                <a14:hiddenLine xmlns="" xmlns:a14="http://schemas.microsoft.com/office/drawing/2010/main" w="9525">
+              <a:ext uri="{91240B29-F687-4F45-9708-019B960494DF}">
+                <a14:hiddenLine xmlns:a14="http://schemas.microsoft.com/office/drawing/2010/main" w="9525">
                   <a:solidFill>
                     <a:srgbClr val="000000"/>
                   </a:solidFill>
@@ -4162,8 +4163,8 @@
               <a:noFill/>
             </a:ln>
             <a:extLst>
-              <a:ext uri="{91240B29-F687-4f45-9708-019B960494DF}">
-                <a14:hiddenLine xmlns="" xmlns:a14="http://schemas.microsoft.com/office/drawing/2010/main" w="9525">
+              <a:ext uri="{91240B29-F687-4F45-9708-019B960494DF}">
+                <a14:hiddenLine xmlns:a14="http://schemas.microsoft.com/office/drawing/2010/main" w="9525">
                   <a:solidFill>
                     <a:srgbClr val="000000"/>
                   </a:solidFill>
@@ -4252,8 +4253,8 @@
               <a:noFill/>
             </a:ln>
             <a:extLst>
-              <a:ext uri="{91240B29-F687-4f45-9708-019B960494DF}">
-                <a14:hiddenLine xmlns="" xmlns:a14="http://schemas.microsoft.com/office/drawing/2010/main" w="9525">
+              <a:ext uri="{91240B29-F687-4F45-9708-019B960494DF}">
+                <a14:hiddenLine xmlns:a14="http://schemas.microsoft.com/office/drawing/2010/main" w="9525">
                   <a:solidFill>
                     <a:srgbClr val="000000"/>
                   </a:solidFill>
@@ -9059,8 +9060,8 @@
           </a:prstGeom>
           <a:noFill/>
           <a:extLst>
-            <a:ext uri="{909E8E84-426E-40dd-AFC4-6F175D3DCCD1}">
-              <a14:hiddenFill xmlns="" xmlns:a14="http://schemas.microsoft.com/office/drawing/2010/main">
+            <a:ext uri="{909E8E84-426E-40DD-AFC4-6F175D3DCCD1}">
+              <a14:hiddenFill xmlns:a14="http://schemas.microsoft.com/office/drawing/2010/main">
                 <a:solidFill>
                   <a:srgbClr val="FFFFFF"/>
                 </a:solidFill>
@@ -9133,8 +9134,8 @@
                 <a:noFill/>
               </a:ln>
               <a:extLst>
-                <a:ext uri="{91240B29-F687-4f45-9708-019B960494DF}">
-                  <a14:hiddenLine xmlns="" xmlns:a14="http://schemas.microsoft.com/office/drawing/2010/main" w="9525">
+                <a:ext uri="{91240B29-F687-4F45-9708-019B960494DF}">
+                  <a14:hiddenLine xmlns:a14="http://schemas.microsoft.com/office/drawing/2010/main" w="9525">
                     <a:solidFill>
                       <a:srgbClr val="000000"/>
                     </a:solidFill>
@@ -9223,8 +9224,8 @@
                 <a:noFill/>
               </a:ln>
               <a:extLst>
-                <a:ext uri="{91240B29-F687-4f45-9708-019B960494DF}">
-                  <a14:hiddenLine xmlns="" xmlns:a14="http://schemas.microsoft.com/office/drawing/2010/main" w="9525">
+                <a:ext uri="{91240B29-F687-4F45-9708-019B960494DF}">
+                  <a14:hiddenLine xmlns:a14="http://schemas.microsoft.com/office/drawing/2010/main" w="9525">
                     <a:solidFill>
                       <a:srgbClr val="000000"/>
                     </a:solidFill>
@@ -9313,8 +9314,8 @@
                 <a:noFill/>
               </a:ln>
               <a:extLst>
-                <a:ext uri="{91240B29-F687-4f45-9708-019B960494DF}">
-                  <a14:hiddenLine xmlns="" xmlns:a14="http://schemas.microsoft.com/office/drawing/2010/main" w="9525">
+                <a:ext uri="{91240B29-F687-4F45-9708-019B960494DF}">
+                  <a14:hiddenLine xmlns:a14="http://schemas.microsoft.com/office/drawing/2010/main" w="9525">
                     <a:solidFill>
                       <a:srgbClr val="000000"/>
                     </a:solidFill>
@@ -9375,8 +9376,8 @@
                 <a:noFill/>
               </a:ln>
               <a:extLst>
-                <a:ext uri="{91240B29-F687-4f45-9708-019B960494DF}">
-                  <a14:hiddenLine xmlns="" xmlns:a14="http://schemas.microsoft.com/office/drawing/2010/main" w="9525">
+                <a:ext uri="{91240B29-F687-4F45-9708-019B960494DF}">
+                  <a14:hiddenLine xmlns:a14="http://schemas.microsoft.com/office/drawing/2010/main" w="9525">
                     <a:solidFill>
                       <a:srgbClr val="000000"/>
                     </a:solidFill>
@@ -9465,8 +9466,8 @@
                 <a:noFill/>
               </a:ln>
               <a:extLst>
-                <a:ext uri="{91240B29-F687-4f45-9708-019B960494DF}">
-                  <a14:hiddenLine xmlns="" xmlns:a14="http://schemas.microsoft.com/office/drawing/2010/main" w="9525">
+                <a:ext uri="{91240B29-F687-4F45-9708-019B960494DF}">
+                  <a14:hiddenLine xmlns:a14="http://schemas.microsoft.com/office/drawing/2010/main" w="9525">
                     <a:solidFill>
                       <a:srgbClr val="000000"/>
                     </a:solidFill>
@@ -9527,8 +9528,8 @@
                 <a:noFill/>
               </a:ln>
               <a:extLst>
-                <a:ext uri="{91240B29-F687-4f45-9708-019B960494DF}">
-                  <a14:hiddenLine xmlns="" xmlns:a14="http://schemas.microsoft.com/office/drawing/2010/main" w="9525">
+                <a:ext uri="{91240B29-F687-4F45-9708-019B960494DF}">
+                  <a14:hiddenLine xmlns:a14="http://schemas.microsoft.com/office/drawing/2010/main" w="9525">
                     <a:solidFill>
                       <a:srgbClr val="000000"/>
                     </a:solidFill>
@@ -9589,8 +9590,8 @@
                 <a:noFill/>
               </a:ln>
               <a:extLst>
-                <a:ext uri="{91240B29-F687-4f45-9708-019B960494DF}">
-                  <a14:hiddenLine xmlns="" xmlns:a14="http://schemas.microsoft.com/office/drawing/2010/main" w="9525">
+                <a:ext uri="{91240B29-F687-4F45-9708-019B960494DF}">
+                  <a14:hiddenLine xmlns:a14="http://schemas.microsoft.com/office/drawing/2010/main" w="9525">
                     <a:solidFill>
                       <a:srgbClr val="000000"/>
                     </a:solidFill>
@@ -9679,8 +9680,8 @@
                 <a:noFill/>
               </a:ln>
               <a:extLst>
-                <a:ext uri="{91240B29-F687-4f45-9708-019B960494DF}">
-                  <a14:hiddenLine xmlns="" xmlns:a14="http://schemas.microsoft.com/office/drawing/2010/main" w="9525">
+                <a:ext uri="{91240B29-F687-4F45-9708-019B960494DF}">
+                  <a14:hiddenLine xmlns:a14="http://schemas.microsoft.com/office/drawing/2010/main" w="9525">
                     <a:solidFill>
                       <a:srgbClr val="000000"/>
                     </a:solidFill>
@@ -9769,8 +9770,8 @@
                 <a:noFill/>
               </a:ln>
               <a:extLst>
-                <a:ext uri="{91240B29-F687-4f45-9708-019B960494DF}">
-                  <a14:hiddenLine xmlns="" xmlns:a14="http://schemas.microsoft.com/office/drawing/2010/main" w="9525">
+                <a:ext uri="{91240B29-F687-4F45-9708-019B960494DF}">
+                  <a14:hiddenLine xmlns:a14="http://schemas.microsoft.com/office/drawing/2010/main" w="9525">
                     <a:solidFill>
                       <a:srgbClr val="000000"/>
                     </a:solidFill>
@@ -9831,8 +9832,8 @@
                 <a:noFill/>
               </a:ln>
               <a:extLst>
-                <a:ext uri="{91240B29-F687-4f45-9708-019B960494DF}">
-                  <a14:hiddenLine xmlns="" xmlns:a14="http://schemas.microsoft.com/office/drawing/2010/main" w="9525">
+                <a:ext uri="{91240B29-F687-4F45-9708-019B960494DF}">
+                  <a14:hiddenLine xmlns:a14="http://schemas.microsoft.com/office/drawing/2010/main" w="9525">
                     <a:solidFill>
                       <a:srgbClr val="000000"/>
                     </a:solidFill>
@@ -9941,8 +9942,8 @@
                 <a:noFill/>
               </a:ln>
               <a:extLst>
-                <a:ext uri="{91240B29-F687-4f45-9708-019B960494DF}">
-                  <a14:hiddenLine xmlns="" xmlns:a14="http://schemas.microsoft.com/office/drawing/2010/main" w="9525">
+                <a:ext uri="{91240B29-F687-4F45-9708-019B960494DF}">
+                  <a14:hiddenLine xmlns:a14="http://schemas.microsoft.com/office/drawing/2010/main" w="9525">
                     <a:solidFill>
                       <a:srgbClr val="000000"/>
                     </a:solidFill>
@@ -10025,8 +10026,8 @@
                 <a:noFill/>
               </a:ln>
               <a:extLst>
-                <a:ext uri="{91240B29-F687-4f45-9708-019B960494DF}">
-                  <a14:hiddenLine xmlns="" xmlns:a14="http://schemas.microsoft.com/office/drawing/2010/main" w="9525">
+                <a:ext uri="{91240B29-F687-4F45-9708-019B960494DF}">
+                  <a14:hiddenLine xmlns:a14="http://schemas.microsoft.com/office/drawing/2010/main" w="9525">
                     <a:solidFill>
                       <a:srgbClr val="000000"/>
                     </a:solidFill>
@@ -10087,8 +10088,8 @@
                 <a:noFill/>
               </a:ln>
               <a:extLst>
-                <a:ext uri="{91240B29-F687-4f45-9708-019B960494DF}">
-                  <a14:hiddenLine xmlns="" xmlns:a14="http://schemas.microsoft.com/office/drawing/2010/main" w="9525">
+                <a:ext uri="{91240B29-F687-4F45-9708-019B960494DF}">
+                  <a14:hiddenLine xmlns:a14="http://schemas.microsoft.com/office/drawing/2010/main" w="9525">
                     <a:solidFill>
                       <a:srgbClr val="000000"/>
                     </a:solidFill>
@@ -10149,8 +10150,8 @@
                 <a:noFill/>
               </a:ln>
               <a:extLst>
-                <a:ext uri="{91240B29-F687-4f45-9708-019B960494DF}">
-                  <a14:hiddenLine xmlns="" xmlns:a14="http://schemas.microsoft.com/office/drawing/2010/main" w="9525">
+                <a:ext uri="{91240B29-F687-4F45-9708-019B960494DF}">
+                  <a14:hiddenLine xmlns:a14="http://schemas.microsoft.com/office/drawing/2010/main" w="9525">
                     <a:solidFill>
                       <a:srgbClr val="000000"/>
                     </a:solidFill>
@@ -10239,8 +10240,8 @@
                 <a:noFill/>
               </a:ln>
               <a:extLst>
-                <a:ext uri="{91240B29-F687-4f45-9708-019B960494DF}">
-                  <a14:hiddenLine xmlns="" xmlns:a14="http://schemas.microsoft.com/office/drawing/2010/main" w="9525">
+                <a:ext uri="{91240B29-F687-4F45-9708-019B960494DF}">
+                  <a14:hiddenLine xmlns:a14="http://schemas.microsoft.com/office/drawing/2010/main" w="9525">
                     <a:solidFill>
                       <a:srgbClr val="000000"/>
                     </a:solidFill>
@@ -10273,8 +10274,8 @@
                 <a:noFill/>
               </a:ln>
               <a:extLst>
-                <a:ext uri="{91240B29-F687-4f45-9708-019B960494DF}">
-                  <a14:hiddenLine xmlns="" xmlns:a14="http://schemas.microsoft.com/office/drawing/2010/main" w="9525">
+                <a:ext uri="{91240B29-F687-4F45-9708-019B960494DF}">
+                  <a14:hiddenLine xmlns:a14="http://schemas.microsoft.com/office/drawing/2010/main" w="9525">
                     <a:solidFill>
                       <a:srgbClr val="000000"/>
                     </a:solidFill>
@@ -10338,8 +10339,8 @@
                 <a:noFill/>
               </a:ln>
               <a:extLst>
-                <a:ext uri="{91240B29-F687-4f45-9708-019B960494DF}">
-                  <a14:hiddenLine xmlns="" xmlns:a14="http://schemas.microsoft.com/office/drawing/2010/main" w="9525">
+                <a:ext uri="{91240B29-F687-4F45-9708-019B960494DF}">
+                  <a14:hiddenLine xmlns:a14="http://schemas.microsoft.com/office/drawing/2010/main" w="9525">
                     <a:solidFill>
                       <a:srgbClr val="000000"/>
                     </a:solidFill>
@@ -10428,8 +10429,8 @@
                 <a:noFill/>
               </a:ln>
               <a:extLst>
-                <a:ext uri="{91240B29-F687-4f45-9708-019B960494DF}">
-                  <a14:hiddenLine xmlns="" xmlns:a14="http://schemas.microsoft.com/office/drawing/2010/main" w="9525">
+                <a:ext uri="{91240B29-F687-4F45-9708-019B960494DF}">
+                  <a14:hiddenLine xmlns:a14="http://schemas.microsoft.com/office/drawing/2010/main" w="9525">
                     <a:solidFill>
                       <a:srgbClr val="000000"/>
                     </a:solidFill>
@@ -10490,8 +10491,8 @@
                 <a:noFill/>
               </a:ln>
               <a:extLst>
-                <a:ext uri="{91240B29-F687-4f45-9708-019B960494DF}">
-                  <a14:hiddenLine xmlns="" xmlns:a14="http://schemas.microsoft.com/office/drawing/2010/main" w="9525">
+                <a:ext uri="{91240B29-F687-4F45-9708-019B960494DF}">
+                  <a14:hiddenLine xmlns:a14="http://schemas.microsoft.com/office/drawing/2010/main" w="9525">
                     <a:solidFill>
                       <a:srgbClr val="000000"/>
                     </a:solidFill>
@@ -10580,8 +10581,8 @@
                 <a:noFill/>
               </a:ln>
               <a:extLst>
-                <a:ext uri="{91240B29-F687-4f45-9708-019B960494DF}">
-                  <a14:hiddenLine xmlns="" xmlns:a14="http://schemas.microsoft.com/office/drawing/2010/main" w="9525">
+                <a:ext uri="{91240B29-F687-4F45-9708-019B960494DF}">
+                  <a14:hiddenLine xmlns:a14="http://schemas.microsoft.com/office/drawing/2010/main" w="9525">
                     <a:solidFill>
                       <a:srgbClr val="000000"/>
                     </a:solidFill>
@@ -10645,8 +10646,8 @@
                 <a:noFill/>
               </a:ln>
               <a:extLst>
-                <a:ext uri="{91240B29-F687-4f45-9708-019B960494DF}">
-                  <a14:hiddenLine xmlns="" xmlns:a14="http://schemas.microsoft.com/office/drawing/2010/main" w="9525">
+                <a:ext uri="{91240B29-F687-4F45-9708-019B960494DF}">
+                  <a14:hiddenLine xmlns:a14="http://schemas.microsoft.com/office/drawing/2010/main" w="9525">
                     <a:solidFill>
                       <a:srgbClr val="000000"/>
                     </a:solidFill>
@@ -10707,8 +10708,8 @@
                 <a:noFill/>
               </a:ln>
               <a:extLst>
-                <a:ext uri="{91240B29-F687-4f45-9708-019B960494DF}">
-                  <a14:hiddenLine xmlns="" xmlns:a14="http://schemas.microsoft.com/office/drawing/2010/main" w="9525">
+                <a:ext uri="{91240B29-F687-4F45-9708-019B960494DF}">
+                  <a14:hiddenLine xmlns:a14="http://schemas.microsoft.com/office/drawing/2010/main" w="9525">
                     <a:solidFill>
                       <a:srgbClr val="000000"/>
                     </a:solidFill>
@@ -10797,8 +10798,8 @@
                 <a:noFill/>
               </a:ln>
               <a:extLst>
-                <a:ext uri="{91240B29-F687-4f45-9708-019B960494DF}">
-                  <a14:hiddenLine xmlns="" xmlns:a14="http://schemas.microsoft.com/office/drawing/2010/main" w="9525">
+                <a:ext uri="{91240B29-F687-4F45-9708-019B960494DF}">
+                  <a14:hiddenLine xmlns:a14="http://schemas.microsoft.com/office/drawing/2010/main" w="9525">
                     <a:solidFill>
                       <a:srgbClr val="000000"/>
                     </a:solidFill>
@@ -10887,8 +10888,8 @@
                 <a:noFill/>
               </a:ln>
               <a:extLst>
-                <a:ext uri="{91240B29-F687-4f45-9708-019B960494DF}">
-                  <a14:hiddenLine xmlns="" xmlns:a14="http://schemas.microsoft.com/office/drawing/2010/main" w="9525">
+                <a:ext uri="{91240B29-F687-4F45-9708-019B960494DF}">
+                  <a14:hiddenLine xmlns:a14="http://schemas.microsoft.com/office/drawing/2010/main" w="9525">
                     <a:solidFill>
                       <a:srgbClr val="000000"/>
                     </a:solidFill>
@@ -10952,8 +10953,8 @@
                 <a:noFill/>
               </a:ln>
               <a:extLst>
-                <a:ext uri="{91240B29-F687-4f45-9708-019B960494DF}">
-                  <a14:hiddenLine xmlns="" xmlns:a14="http://schemas.microsoft.com/office/drawing/2010/main" w="9525">
+                <a:ext uri="{91240B29-F687-4F45-9708-019B960494DF}">
+                  <a14:hiddenLine xmlns:a14="http://schemas.microsoft.com/office/drawing/2010/main" w="9525">
                     <a:solidFill>
                       <a:srgbClr val="000000"/>
                     </a:solidFill>
@@ -11072,8 +11073,8 @@
                 <a:noFill/>
               </a:ln>
               <a:extLst>
-                <a:ext uri="{91240B29-F687-4f45-9708-019B960494DF}">
-                  <a14:hiddenLine xmlns="" xmlns:a14="http://schemas.microsoft.com/office/drawing/2010/main" w="9525">
+                <a:ext uri="{91240B29-F687-4F45-9708-019B960494DF}">
+                  <a14:hiddenLine xmlns:a14="http://schemas.microsoft.com/office/drawing/2010/main" w="9525">
                     <a:solidFill>
                       <a:srgbClr val="000000"/>
                     </a:solidFill>
@@ -11170,8 +11171,8 @@
                 <a:noFill/>
               </a:ln>
               <a:extLst>
-                <a:ext uri="{91240B29-F687-4f45-9708-019B960494DF}">
-                  <a14:hiddenLine xmlns="" xmlns:a14="http://schemas.microsoft.com/office/drawing/2010/main" w="9525">
+                <a:ext uri="{91240B29-F687-4F45-9708-019B960494DF}">
+                  <a14:hiddenLine xmlns:a14="http://schemas.microsoft.com/office/drawing/2010/main" w="9525">
                     <a:solidFill>
                       <a:srgbClr val="000000"/>
                     </a:solidFill>
@@ -11285,8 +11286,8 @@
                 <a:noFill/>
               </a:ln>
               <a:extLst>
-                <a:ext uri="{91240B29-F687-4f45-9708-019B960494DF}">
-                  <a14:hiddenLine xmlns="" xmlns:a14="http://schemas.microsoft.com/office/drawing/2010/main" w="9525">
+                <a:ext uri="{91240B29-F687-4F45-9708-019B960494DF}">
+                  <a14:hiddenLine xmlns:a14="http://schemas.microsoft.com/office/drawing/2010/main" w="9525">
                     <a:solidFill>
                       <a:srgbClr val="000000"/>
                     </a:solidFill>
@@ -11375,8 +11376,8 @@
                 <a:noFill/>
               </a:ln>
               <a:extLst>
-                <a:ext uri="{91240B29-F687-4f45-9708-019B960494DF}">
-                  <a14:hiddenLine xmlns="" xmlns:a14="http://schemas.microsoft.com/office/drawing/2010/main" w="9525">
+                <a:ext uri="{91240B29-F687-4F45-9708-019B960494DF}">
+                  <a14:hiddenLine xmlns:a14="http://schemas.microsoft.com/office/drawing/2010/main" w="9525">
                     <a:solidFill>
                       <a:srgbClr val="000000"/>
                     </a:solidFill>
@@ -11440,8 +11441,8 @@
                 <a:noFill/>
               </a:ln>
               <a:extLst>
-                <a:ext uri="{91240B29-F687-4f45-9708-019B960494DF}">
-                  <a14:hiddenLine xmlns="" xmlns:a14="http://schemas.microsoft.com/office/drawing/2010/main" w="9525">
+                <a:ext uri="{91240B29-F687-4F45-9708-019B960494DF}">
+                  <a14:hiddenLine xmlns:a14="http://schemas.microsoft.com/office/drawing/2010/main" w="9525">
                     <a:solidFill>
                       <a:srgbClr val="000000"/>
                     </a:solidFill>
@@ -11530,8 +11531,8 @@
                 <a:noFill/>
               </a:ln>
               <a:extLst>
-                <a:ext uri="{91240B29-F687-4f45-9708-019B960494DF}">
-                  <a14:hiddenLine xmlns="" xmlns:a14="http://schemas.microsoft.com/office/drawing/2010/main" w="9525">
+                <a:ext uri="{91240B29-F687-4F45-9708-019B960494DF}">
+                  <a14:hiddenLine xmlns:a14="http://schemas.microsoft.com/office/drawing/2010/main" w="9525">
                     <a:solidFill>
                       <a:srgbClr val="000000"/>
                     </a:solidFill>
@@ -11598,8 +11599,8 @@
                 <a:noFill/>
               </a:ln>
               <a:extLst>
-                <a:ext uri="{91240B29-F687-4f45-9708-019B960494DF}">
-                  <a14:hiddenLine xmlns="" xmlns:a14="http://schemas.microsoft.com/office/drawing/2010/main" w="9525">
+                <a:ext uri="{91240B29-F687-4F45-9708-019B960494DF}">
+                  <a14:hiddenLine xmlns:a14="http://schemas.microsoft.com/office/drawing/2010/main" w="9525">
                     <a:solidFill>
                       <a:srgbClr val="000000"/>
                     </a:solidFill>
@@ -11688,8 +11689,8 @@
                 <a:noFill/>
               </a:ln>
               <a:extLst>
-                <a:ext uri="{91240B29-F687-4f45-9708-019B960494DF}">
-                  <a14:hiddenLine xmlns="" xmlns:a14="http://schemas.microsoft.com/office/drawing/2010/main" w="9525">
+                <a:ext uri="{91240B29-F687-4F45-9708-019B960494DF}">
+                  <a14:hiddenLine xmlns:a14="http://schemas.microsoft.com/office/drawing/2010/main" w="9525">
                     <a:solidFill>
                       <a:srgbClr val="000000"/>
                     </a:solidFill>
@@ -11756,8 +11757,8 @@
                 <a:noFill/>
               </a:ln>
               <a:extLst>
-                <a:ext uri="{91240B29-F687-4f45-9708-019B960494DF}">
-                  <a14:hiddenLine xmlns="" xmlns:a14="http://schemas.microsoft.com/office/drawing/2010/main" w="9525">
+                <a:ext uri="{91240B29-F687-4F45-9708-019B960494DF}">
+                  <a14:hiddenLine xmlns:a14="http://schemas.microsoft.com/office/drawing/2010/main" w="9525">
                     <a:solidFill>
                       <a:srgbClr val="000000"/>
                     </a:solidFill>
@@ -11846,8 +11847,8 @@
                 <a:noFill/>
               </a:ln>
               <a:extLst>
-                <a:ext uri="{91240B29-F687-4f45-9708-019B960494DF}">
-                  <a14:hiddenLine xmlns="" xmlns:a14="http://schemas.microsoft.com/office/drawing/2010/main" w="9525">
+                <a:ext uri="{91240B29-F687-4F45-9708-019B960494DF}">
+                  <a14:hiddenLine xmlns:a14="http://schemas.microsoft.com/office/drawing/2010/main" w="9525">
                     <a:solidFill>
                       <a:srgbClr val="000000"/>
                     </a:solidFill>
@@ -11880,8 +11881,8 @@
                 <a:noFill/>
               </a:ln>
               <a:extLst>
-                <a:ext uri="{91240B29-F687-4f45-9708-019B960494DF}">
-                  <a14:hiddenLine xmlns="" xmlns:a14="http://schemas.microsoft.com/office/drawing/2010/main" w="9525">
+                <a:ext uri="{91240B29-F687-4F45-9708-019B960494DF}">
+                  <a14:hiddenLine xmlns:a14="http://schemas.microsoft.com/office/drawing/2010/main" w="9525">
                     <a:solidFill>
                       <a:srgbClr val="000000"/>
                     </a:solidFill>
@@ -12474,12 +12475,165 @@
             <p:ph type="subTitle" idx="1"/>
           </p:nvPr>
         </p:nvSpPr>
-        <p:spPr/>
+        <p:spPr>
+          <a:xfrm>
+            <a:off x="1876424" y="3993924"/>
+            <a:ext cx="8791575" cy="1655762"/>
+          </a:xfrm>
+        </p:spPr>
         <p:txBody>
-          <a:bodyPr/>
+          <a:bodyPr>
+            <a:normAutofit fontScale="92500" lnSpcReduction="20000"/>
+          </a:bodyPr>
           <a:lstStyle/>
           <a:p>
-            <a:endParaRPr lang="zh-CN" altLang="en-US"/>
+            <a:pPr algn="r"/>
+            <a:r>
+              <a:rPr lang="en-US" altLang="zh-CN" dirty="0">
+                <a:solidFill>
+                  <a:schemeClr val="accent5">
+                    <a:lumMod val="20000"/>
+                    <a:lumOff val="80000"/>
+                  </a:schemeClr>
+                </a:solidFill>
+              </a:rPr>
+              <a:t>D</a:t>
+            </a:r>
+            <a:r>
+              <a:rPr lang="zh-CN" altLang="en-US" dirty="0">
+                <a:solidFill>
+                  <a:schemeClr val="accent5">
+                    <a:lumMod val="20000"/>
+                    <a:lumOff val="80000"/>
+                  </a:schemeClr>
+                </a:solidFill>
+              </a:rPr>
+              <a:t>组组员：          </a:t>
+            </a:r>
+            <a:r>
+              <a:rPr lang="en-US" altLang="zh-CN" dirty="0">
+                <a:solidFill>
+                  <a:schemeClr val="accent5">
+                    <a:lumMod val="20000"/>
+                    <a:lumOff val="80000"/>
+                  </a:schemeClr>
+                </a:solidFill>
+              </a:rPr>
+              <a:t>SY1506104   </a:t>
+            </a:r>
+            <a:r>
+              <a:rPr lang="zh-CN" altLang="en-US" dirty="0">
+                <a:solidFill>
+                  <a:schemeClr val="accent5">
+                    <a:lumMod val="20000"/>
+                    <a:lumOff val="80000"/>
+                  </a:schemeClr>
+                </a:solidFill>
+              </a:rPr>
+              <a:t>刘克瑞</a:t>
+            </a:r>
+            <a:endParaRPr lang="en-US" altLang="zh-CN" dirty="0">
+              <a:solidFill>
+                <a:schemeClr val="accent5">
+                  <a:lumMod val="20000"/>
+                  <a:lumOff val="80000"/>
+                </a:schemeClr>
+              </a:solidFill>
+            </a:endParaRPr>
+          </a:p>
+          <a:p>
+            <a:pPr algn="r"/>
+            <a:r>
+              <a:rPr lang="en-US" altLang="zh-CN" dirty="0">
+                <a:solidFill>
+                  <a:schemeClr val="accent5">
+                    <a:lumMod val="20000"/>
+                    <a:lumOff val="80000"/>
+                  </a:schemeClr>
+                </a:solidFill>
+              </a:rPr>
+              <a:t>                SY1506115   </a:t>
+            </a:r>
+            <a:r>
+              <a:rPr lang="zh-CN" altLang="en-US" dirty="0">
+                <a:solidFill>
+                  <a:schemeClr val="accent5">
+                    <a:lumMod val="20000"/>
+                    <a:lumOff val="80000"/>
+                  </a:schemeClr>
+                </a:solidFill>
+              </a:rPr>
+              <a:t>彭柯宾</a:t>
+            </a:r>
+            <a:endParaRPr lang="en-US" altLang="zh-CN" dirty="0">
+              <a:solidFill>
+                <a:schemeClr val="accent5">
+                  <a:lumMod val="20000"/>
+                  <a:lumOff val="80000"/>
+                </a:schemeClr>
+              </a:solidFill>
+            </a:endParaRPr>
+          </a:p>
+          <a:p>
+            <a:pPr algn="r"/>
+            <a:r>
+              <a:rPr lang="en-US" altLang="zh-CN" dirty="0">
+                <a:solidFill>
+                  <a:schemeClr val="accent5">
+                    <a:lumMod val="20000"/>
+                    <a:lumOff val="80000"/>
+                  </a:schemeClr>
+                </a:solidFill>
+              </a:rPr>
+              <a:t>                                            SY1506106   </a:t>
+            </a:r>
+            <a:r>
+              <a:rPr lang="zh-CN" altLang="en-US" dirty="0" smtClean="0">
+                <a:solidFill>
+                  <a:schemeClr val="accent5">
+                    <a:lumMod val="20000"/>
+                    <a:lumOff val="80000"/>
+                  </a:schemeClr>
+                </a:solidFill>
+              </a:rPr>
+              <a:t>詹鹏飞</a:t>
+            </a:r>
+            <a:endParaRPr lang="en-US" altLang="zh-CN" dirty="0">
+              <a:solidFill>
+                <a:schemeClr val="accent5">
+                  <a:lumMod val="20000"/>
+                  <a:lumOff val="80000"/>
+                </a:schemeClr>
+              </a:solidFill>
+            </a:endParaRPr>
+          </a:p>
+          <a:p>
+            <a:pPr algn="r"/>
+            <a:r>
+              <a:rPr lang="en-US" altLang="zh-CN" dirty="0">
+                <a:solidFill>
+                  <a:schemeClr val="accent5">
+                    <a:lumMod val="20000"/>
+                    <a:lumOff val="80000"/>
+                  </a:schemeClr>
+                </a:solidFill>
+              </a:rPr>
+              <a:t>       SY1506114   </a:t>
+            </a:r>
+            <a:r>
+              <a:rPr lang="zh-CN" altLang="en-US" dirty="0">
+                <a:solidFill>
+                  <a:schemeClr val="accent5">
+                    <a:lumMod val="20000"/>
+                    <a:lumOff val="80000"/>
+                  </a:schemeClr>
+                </a:solidFill>
+              </a:rPr>
+              <a:t>陈    阳</a:t>
+            </a:r>
+          </a:p>
+          <a:p>
+            <a:endParaRPr lang="zh-CN" altLang="en-US" dirty="0"/>
           </a:p>
         </p:txBody>
       </p:sp>
@@ -12529,12 +12683,12 @@
           <a:lstStyle/>
           <a:p>
             <a:r>
-              <a:rPr lang="en-US" altLang="zh-CN" dirty="0" smtClean="0"/>
-              <a:t>1.</a:t>
-            </a:r>
-            <a:r>
-              <a:rPr lang="zh-CN" altLang="en-US" dirty="0"/>
-              <a:t>问题定位</a:t>
+              <a:rPr lang="zh-CN" altLang="en-US" b="1" dirty="0" smtClean="0"/>
+              <a:t>问题</a:t>
+            </a:r>
+            <a:r>
+              <a:rPr lang="zh-CN" altLang="en-US" b="1" dirty="0"/>
+              <a:t>定位</a:t>
             </a:r>
           </a:p>
         </p:txBody>
@@ -12551,48 +12705,64 @@
         </p:nvSpPr>
         <p:spPr/>
         <p:txBody>
-          <a:bodyPr/>
+          <a:bodyPr>
+            <a:normAutofit/>
+          </a:bodyPr>
           <a:lstStyle/>
           <a:p>
             <a:r>
-              <a:rPr lang="zh-CN" altLang="en-US" dirty="0" smtClean="0"/>
+              <a:rPr lang="zh-CN" altLang="en-US" sz="2800" dirty="0" smtClean="0"/>
               <a:t>无法正确打开高版本的</a:t>
             </a:r>
             <a:r>
-              <a:rPr lang="en-US" altLang="zh-CN" dirty="0" err="1" smtClean="0"/>
+              <a:rPr lang="en-US" altLang="zh-CN" sz="2800" dirty="0" err="1" smtClean="0"/>
               <a:t>mpp</a:t>
             </a:r>
             <a:r>
-              <a:rPr lang="zh-CN" altLang="en-US" dirty="0" smtClean="0"/>
+              <a:rPr lang="zh-CN" altLang="en-US" sz="2800" dirty="0" smtClean="0"/>
               <a:t>文件</a:t>
             </a:r>
             <a:r>
-              <a:rPr lang="en-US" altLang="zh-CN" dirty="0" smtClean="0"/>
+              <a:rPr lang="en-US" altLang="zh-CN" sz="2800" dirty="0" smtClean="0"/>
               <a:t>.</a:t>
             </a:r>
           </a:p>
           <a:p>
-            <a:r>
-              <a:rPr lang="zh-CN" altLang="en-US" dirty="0"/>
-              <a:t>进</a:t>
-            </a:r>
-            <a:r>
-              <a:rPr lang="zh-CN" altLang="en-US" dirty="0" smtClean="0"/>
-              <a:t>过我们排查</a:t>
-            </a:r>
-            <a:r>
-              <a:rPr lang="en-US" altLang="zh-CN" dirty="0" smtClean="0"/>
+            <a:endParaRPr lang="en-US" altLang="zh-CN" sz="2800" dirty="0" smtClean="0"/>
+          </a:p>
+          <a:p>
+            <a:pPr marL="457200" lvl="1" indent="457200">
+              <a:buNone/>
+            </a:pPr>
+            <a:r>
+              <a:rPr lang="zh-CN" altLang="en-US" sz="2800" dirty="0"/>
+              <a:t>经过</a:t>
+            </a:r>
+            <a:r>
+              <a:rPr lang="zh-CN" altLang="en-US" sz="2800" dirty="0" smtClean="0"/>
+              <a:t>我们的排</a:t>
+            </a:r>
+            <a:r>
+              <a:rPr lang="zh-CN" altLang="en-US" sz="2800" dirty="0" smtClean="0"/>
+              <a:t>查</a:t>
+            </a:r>
+            <a:r>
+              <a:rPr lang="en-US" altLang="zh-CN" sz="2800" dirty="0" smtClean="0"/>
               <a:t>,</a:t>
             </a:r>
             <a:r>
-              <a:rPr lang="zh-CN" altLang="en-US" dirty="0" smtClean="0"/>
-              <a:t>是软件中缺少了关于高版本读取的模块</a:t>
-            </a:r>
-            <a:r>
-              <a:rPr lang="en-US" altLang="zh-CN" dirty="0" smtClean="0"/>
+              <a:rPr lang="zh-CN" altLang="en-US" sz="2800" dirty="0" smtClean="0"/>
+              <a:t>出现该问题的原因是</a:t>
+            </a:r>
+            <a:r>
+              <a:rPr lang="zh-CN" altLang="en-US" sz="2800" dirty="0" smtClean="0"/>
+              <a:t>软件中缺少了关于高版本读取的模块</a:t>
+            </a:r>
+            <a:r>
+              <a:rPr lang="en-US" altLang="zh-CN" sz="2800" dirty="0" smtClean="0"/>
               <a:t>.</a:t>
             </a:r>
-            <a:endParaRPr lang="zh-CN" altLang="en-US" dirty="0"/>
+            <a:endParaRPr lang="zh-CN" altLang="en-US" sz="2800" dirty="0"/>
           </a:p>
         </p:txBody>
       </p:sp>
@@ -12642,18 +12812,18 @@
           <a:lstStyle/>
           <a:p>
             <a:r>
-              <a:rPr lang="zh-CN" altLang="en-US" dirty="0" smtClean="0"/>
+              <a:rPr lang="zh-CN" altLang="en-US" b="1" dirty="0" smtClean="0"/>
               <a:t>添加生成</a:t>
             </a:r>
             <a:r>
-              <a:rPr lang="en-US" altLang="zh-CN" dirty="0" smtClean="0"/>
+              <a:rPr lang="en-US" altLang="zh-CN" b="1" dirty="0" smtClean="0"/>
               <a:t>report</a:t>
             </a:r>
             <a:r>
-              <a:rPr lang="zh-CN" altLang="en-US" dirty="0" smtClean="0"/>
+              <a:rPr lang="zh-CN" altLang="en-US" b="1" dirty="0" smtClean="0"/>
               <a:t>模块的功能</a:t>
             </a:r>
-            <a:endParaRPr lang="zh-CN" altLang="en-US" dirty="0"/>
+            <a:endParaRPr lang="zh-CN" altLang="en-US" b="1" dirty="0"/>
           </a:p>
         </p:txBody>
       </p:sp>
@@ -12669,111 +12839,109 @@
         </p:nvSpPr>
         <p:spPr/>
         <p:txBody>
-          <a:bodyPr/>
+          <a:bodyPr>
+            <a:normAutofit/>
+          </a:bodyPr>
           <a:lstStyle/>
           <a:p>
             <a:r>
-              <a:rPr lang="en-US" altLang="zh-CN" dirty="0" smtClean="0"/>
+              <a:rPr lang="en-US" altLang="zh-CN" sz="2800" dirty="0" smtClean="0"/>
               <a:t>Report</a:t>
             </a:r>
             <a:r>
-              <a:rPr lang="zh-CN" altLang="en-US" dirty="0" smtClean="0"/>
+              <a:rPr lang="zh-CN" altLang="en-US" sz="2800" dirty="0" smtClean="0"/>
               <a:t>模块是对已有的项目计划进行的一个文字性的总结</a:t>
             </a:r>
             <a:r>
-              <a:rPr lang="en-US" altLang="zh-CN" dirty="0" smtClean="0"/>
+              <a:rPr lang="en-US" altLang="zh-CN" sz="2800" dirty="0" smtClean="0"/>
               <a:t>,</a:t>
             </a:r>
             <a:r>
-              <a:rPr lang="zh-CN" altLang="en-US" dirty="0" smtClean="0"/>
+              <a:rPr lang="zh-CN" altLang="en-US" sz="2800" dirty="0" smtClean="0"/>
               <a:t>包括了项目的各个方面</a:t>
             </a:r>
             <a:r>
-              <a:rPr lang="en-US" altLang="zh-CN" dirty="0" smtClean="0"/>
+              <a:rPr lang="en-US" altLang="zh-CN" sz="2800" dirty="0" smtClean="0"/>
               <a:t>:</a:t>
             </a:r>
             <a:r>
-              <a:rPr lang="zh-CN" altLang="en-US" dirty="0" smtClean="0"/>
+              <a:rPr lang="zh-CN" altLang="en-US" sz="2800" dirty="0" smtClean="0"/>
               <a:t>日期规划</a:t>
             </a:r>
             <a:r>
-              <a:rPr lang="en-US" altLang="zh-CN" dirty="0" smtClean="0"/>
+              <a:rPr lang="en-US" altLang="zh-CN" sz="2800" dirty="0" smtClean="0"/>
               <a:t>,</a:t>
             </a:r>
             <a:r>
-              <a:rPr lang="zh-CN" altLang="en-US" dirty="0" smtClean="0"/>
+              <a:rPr lang="zh-CN" altLang="en-US" sz="2800" dirty="0" smtClean="0"/>
               <a:t>工作量</a:t>
             </a:r>
             <a:r>
-              <a:rPr lang="en-US" altLang="zh-CN" dirty="0" smtClean="0"/>
+              <a:rPr lang="en-US" altLang="zh-CN" sz="2800" dirty="0" smtClean="0"/>
               <a:t>,</a:t>
             </a:r>
             <a:r>
-              <a:rPr lang="zh-CN" altLang="en-US" dirty="0" smtClean="0"/>
+              <a:rPr lang="zh-CN" altLang="en-US" sz="2800" dirty="0" smtClean="0"/>
               <a:t>花费等功能</a:t>
             </a:r>
             <a:r>
-              <a:rPr lang="en-US" altLang="zh-CN" dirty="0" smtClean="0"/>
+              <a:rPr lang="en-US" altLang="zh-CN" sz="2800" dirty="0" smtClean="0"/>
               <a:t>.</a:t>
             </a:r>
           </a:p>
           <a:p>
             <a:r>
-              <a:rPr lang="zh-CN" altLang="en-US" dirty="0" smtClean="0"/>
+              <a:rPr lang="zh-CN" altLang="en-US" sz="2800" dirty="0" smtClean="0"/>
               <a:t>以总结的方式来进行呈现</a:t>
             </a:r>
             <a:r>
-              <a:rPr lang="en-US" altLang="zh-CN" dirty="0" smtClean="0"/>
+              <a:rPr lang="en-US" altLang="zh-CN" sz="2800" dirty="0" smtClean="0"/>
               <a:t>,</a:t>
             </a:r>
             <a:r>
-              <a:rPr lang="zh-CN" altLang="en-US" dirty="0" smtClean="0"/>
-              <a:t>方便</a:t>
-            </a:r>
-            <a:r>
-              <a:rPr lang="zh-CN" altLang="en-US" dirty="0" smtClean="0"/>
-              <a:t>阅读</a:t>
-            </a:r>
-            <a:endParaRPr lang="en-US" altLang="zh-CN" dirty="0" smtClean="0"/>
-          </a:p>
-          <a:p>
-            <a:r>
-              <a:rPr lang="zh-CN" altLang="en-US" dirty="0" smtClean="0"/>
+              <a:rPr lang="zh-CN" altLang="en-US" sz="2800" dirty="0" smtClean="0"/>
+              <a:t>方便阅读</a:t>
+            </a:r>
+            <a:endParaRPr lang="en-US" altLang="zh-CN" sz="2800" dirty="0" smtClean="0"/>
+          </a:p>
+          <a:p>
+            <a:r>
+              <a:rPr lang="zh-CN" altLang="en-US" sz="2800" dirty="0" smtClean="0"/>
               <a:t>主要功能</a:t>
             </a:r>
             <a:r>
-              <a:rPr lang="en-US" altLang="zh-CN" dirty="0" smtClean="0"/>
+              <a:rPr lang="en-US" altLang="zh-CN" sz="2800" dirty="0" smtClean="0"/>
               <a:t>:500</a:t>
             </a:r>
             <a:r>
-              <a:rPr lang="zh-CN" altLang="en-US" dirty="0" smtClean="0"/>
+              <a:rPr lang="zh-CN" altLang="en-US" sz="2800" dirty="0" smtClean="0"/>
               <a:t>行代码</a:t>
             </a:r>
             <a:r>
-              <a:rPr lang="en-US" altLang="zh-CN" dirty="0" smtClean="0"/>
+              <a:rPr lang="en-US" altLang="zh-CN" sz="2800" dirty="0" smtClean="0"/>
               <a:t>.</a:t>
             </a:r>
             <a:r>
-              <a:rPr lang="zh-CN" altLang="en-US" dirty="0" smtClean="0"/>
+              <a:rPr lang="zh-CN" altLang="en-US" sz="2800" dirty="0" smtClean="0"/>
               <a:t>绘制</a:t>
             </a:r>
             <a:r>
-              <a:rPr lang="en-US" altLang="zh-CN" dirty="0" smtClean="0"/>
+              <a:rPr lang="en-US" altLang="zh-CN" sz="2800" dirty="0" smtClean="0"/>
               <a:t>UI</a:t>
             </a:r>
             <a:r>
-              <a:rPr lang="zh-CN" altLang="en-US" dirty="0" smtClean="0"/>
+              <a:rPr lang="zh-CN" altLang="en-US" sz="2800" dirty="0" smtClean="0"/>
               <a:t>及其他</a:t>
             </a:r>
             <a:r>
-              <a:rPr lang="en-US" altLang="zh-CN" dirty="0" smtClean="0"/>
+              <a:rPr lang="en-US" altLang="zh-CN" sz="2800" dirty="0" smtClean="0"/>
               <a:t>100</a:t>
             </a:r>
             <a:r>
-              <a:rPr lang="zh-CN" altLang="en-US" dirty="0" smtClean="0"/>
+              <a:rPr lang="zh-CN" altLang="en-US" sz="2800" dirty="0" smtClean="0"/>
               <a:t>行左右</a:t>
             </a:r>
-            <a:endParaRPr lang="zh-CN" altLang="en-US" dirty="0"/>
+            <a:endParaRPr lang="zh-CN" altLang="en-US" sz="2800" dirty="0"/>
           </a:p>
         </p:txBody>
       </p:sp>
@@ -12861,8 +13029,8 @@
         </p:blipFill>
         <p:spPr>
           <a:xfrm>
-            <a:off x="2098673" y="1128712"/>
-            <a:ext cx="7991475" cy="4143375"/>
+            <a:off x="1431016" y="1128711"/>
+            <a:ext cx="9324070" cy="4834292"/>
           </a:xfrm>
           <a:prstGeom prst="rect">
             <a:avLst/>
@@ -12915,10 +13083,22 @@
           <a:lstStyle/>
           <a:p>
             <a:r>
-              <a:rPr lang="zh-CN" altLang="en-US" dirty="0" smtClean="0"/>
-              <a:t>绘制工作量直方图</a:t>
-            </a:r>
-            <a:endParaRPr lang="zh-CN" altLang="en-US" dirty="0"/>
+              <a:rPr lang="zh-CN" altLang="en-US" b="1" dirty="0" smtClean="0"/>
+              <a:t>绘制工作量</a:t>
+            </a:r>
+            <a:r>
+              <a:rPr lang="zh-CN" altLang="en-US" b="1" dirty="0" smtClean="0"/>
+              <a:t>直方图（</a:t>
+            </a:r>
+            <a:r>
+              <a:rPr lang="en-US" altLang="zh-CN" b="1" dirty="0" smtClean="0"/>
+              <a:t>1</a:t>
+            </a:r>
+            <a:r>
+              <a:rPr lang="zh-CN" altLang="en-US" b="1" dirty="0" smtClean="0"/>
+              <a:t>）</a:t>
+            </a:r>
+            <a:endParaRPr lang="zh-CN" altLang="en-US" b="1" dirty="0"/>
           </a:p>
         </p:txBody>
       </p:sp>
@@ -12934,21 +13114,30 @@
         </p:nvSpPr>
         <p:spPr/>
         <p:txBody>
-          <a:bodyPr/>
+          <a:bodyPr>
+            <a:normAutofit/>
+          </a:bodyPr>
           <a:lstStyle/>
           <a:p>
             <a:r>
-              <a:rPr lang="zh-CN" altLang="en-US" dirty="0" smtClean="0"/>
-              <a:t>用图表的形式来反映每一个人在某一个日期的工作量</a:t>
-            </a:r>
-            <a:endParaRPr lang="en-US" altLang="zh-CN" dirty="0" smtClean="0"/>
-          </a:p>
-          <a:p>
-            <a:r>
-              <a:rPr lang="zh-CN" altLang="en-US" dirty="0" smtClean="0"/>
+              <a:rPr lang="zh-CN" altLang="en-US" sz="2800" dirty="0" smtClean="0"/>
+              <a:t>用图表的形式来反映每一个人在某一个日期的</a:t>
+            </a:r>
+            <a:r>
+              <a:rPr lang="zh-CN" altLang="en-US" sz="2800" dirty="0" smtClean="0"/>
+              <a:t>工作量</a:t>
+            </a:r>
+            <a:endParaRPr lang="en-US" altLang="zh-CN" sz="2800" dirty="0" smtClean="0"/>
+          </a:p>
+          <a:p>
+            <a:endParaRPr lang="en-US" altLang="zh-CN" sz="2800" dirty="0" smtClean="0"/>
+          </a:p>
+          <a:p>
+            <a:r>
+              <a:rPr lang="zh-CN" altLang="en-US" sz="2800" dirty="0" smtClean="0"/>
               <a:t>非常形象直观</a:t>
             </a:r>
-            <a:endParaRPr lang="zh-CN" altLang="en-US" dirty="0"/>
+            <a:endParaRPr lang="zh-CN" altLang="en-US" sz="2800" dirty="0"/>
           </a:p>
         </p:txBody>
       </p:sp>
@@ -13004,7 +13193,23 @@
           <a:bodyPr/>
           <a:lstStyle/>
           <a:p>
-            <a:endParaRPr lang="zh-CN" altLang="en-US"/>
+            <a:r>
+              <a:rPr lang="zh-CN" altLang="en-US" b="1" dirty="0"/>
+              <a:t>绘制工作量直方图</a:t>
+            </a:r>
+            <a:r>
+              <a:rPr lang="zh-CN" altLang="en-US" b="1" dirty="0" smtClean="0"/>
+              <a:t>（</a:t>
+            </a:r>
+            <a:r>
+              <a:rPr lang="en-US" altLang="zh-CN" b="1" dirty="0" smtClean="0"/>
+              <a:t>2</a:t>
+            </a:r>
+            <a:r>
+              <a:rPr lang="zh-CN" altLang="en-US" b="1" dirty="0" smtClean="0"/>
+              <a:t>）</a:t>
+            </a:r>
+            <a:endParaRPr lang="zh-CN" altLang="en-US" b="1" dirty="0"/>
           </a:p>
         </p:txBody>
       </p:sp>
@@ -13026,8 +13231,8 @@
         </p:blipFill>
         <p:spPr>
           <a:xfrm>
-            <a:off x="1141413" y="2652696"/>
-            <a:ext cx="9906000" cy="2735295"/>
+            <a:off x="807584" y="2043096"/>
+            <a:ext cx="10420086" cy="2877247"/>
           </a:xfrm>
           <a:prstGeom prst="rect">
             <a:avLst/>
@@ -13054,15 +13259,148 @@
 </p:sld>
 </file>
 
+<file path=ppt/slides/slide7.xml><?xml version="1.0" encoding="utf-8"?>
+<p:sld xmlns:a="http://schemas.openxmlformats.org/drawingml/2006/main" xmlns:r="http://schemas.openxmlformats.org/officeDocument/2006/relationships" xmlns:p="http://schemas.openxmlformats.org/presentationml/2006/main">
+  <p:cSld>
+    <p:spTree>
+      <p:nvGrpSpPr>
+        <p:cNvPr id="1" name=""/>
+        <p:cNvGrpSpPr/>
+        <p:nvPr/>
+      </p:nvGrpSpPr>
+      <p:grpSpPr>
+        <a:xfrm>
+          <a:off x="0" y="0"/>
+          <a:ext cx="0" cy="0"/>
+          <a:chOff x="0" y="0"/>
+          <a:chExt cx="0" cy="0"/>
+        </a:xfrm>
+      </p:grpSpPr>
+      <p:sp>
+        <p:nvSpPr>
+          <p:cNvPr id="6" name="矩形 5"/>
+          <p:cNvSpPr/>
+          <p:nvPr/>
+        </p:nvSpPr>
+        <p:spPr>
+          <a:xfrm>
+            <a:off x="3589422" y="2741525"/>
+            <a:ext cx="4640177" cy="1200329"/>
+          </a:xfrm>
+          <a:prstGeom prst="rect">
+            <a:avLst/>
+          </a:prstGeom>
+          <a:noFill/>
+        </p:spPr>
+        <p:txBody>
+          <a:bodyPr wrap="square" lIns="91440" tIns="45720" rIns="91440" bIns="45720">
+            <a:spAutoFit/>
+          </a:bodyPr>
+          <a:lstStyle/>
+          <a:p>
+            <a:pPr algn="ctr"/>
+            <a:r>
+              <a:rPr lang="en-US" altLang="zh-CN" sz="7200" b="1" cap="none" spc="0" dirty="0" smtClean="0">
+                <a:ln w="31550" cmpd="sng">
+                  <a:gradFill>
+                    <a:gsLst>
+                      <a:gs pos="70000">
+                        <a:schemeClr val="accent6">
+                          <a:shade val="50000"/>
+                          <a:satMod val="190000"/>
+                        </a:schemeClr>
+                      </a:gs>
+                      <a:gs pos="0">
+                        <a:schemeClr val="accent6">
+                          <a:tint val="77000"/>
+                          <a:satMod val="180000"/>
+                        </a:schemeClr>
+                      </a:gs>
+                    </a:gsLst>
+                    <a:lin ang="5400000"/>
+                  </a:gradFill>
+                  <a:prstDash val="solid"/>
+                </a:ln>
+                <a:solidFill>
+                  <a:schemeClr val="accent6">
+                    <a:tint val="15000"/>
+                    <a:satMod val="200000"/>
+                  </a:schemeClr>
+                </a:solidFill>
+                <a:effectLst>
+                  <a:outerShdw blurRad="50800" dist="40000" dir="5400000" algn="tl" rotWithShape="0">
+                    <a:srgbClr val="000000">
+                      <a:shade val="5000"/>
+                      <a:satMod val="120000"/>
+                      <a:alpha val="33000"/>
+                    </a:srgbClr>
+                  </a:outerShdw>
+                </a:effectLst>
+              </a:rPr>
+              <a:t>THE END</a:t>
+            </a:r>
+            <a:endParaRPr lang="zh-CN" altLang="en-US" sz="7200" b="1" cap="none" spc="0" dirty="0">
+              <a:ln w="31550" cmpd="sng">
+                <a:gradFill>
+                  <a:gsLst>
+                    <a:gs pos="70000">
+                      <a:schemeClr val="accent6">
+                        <a:shade val="50000"/>
+                        <a:satMod val="190000"/>
+                      </a:schemeClr>
+                    </a:gs>
+                    <a:gs pos="0">
+                      <a:schemeClr val="accent6">
+                        <a:tint val="77000"/>
+                        <a:satMod val="180000"/>
+                      </a:schemeClr>
+                    </a:gs>
+                  </a:gsLst>
+                  <a:lin ang="5400000"/>
+                </a:gradFill>
+                <a:prstDash val="solid"/>
+              </a:ln>
+              <a:solidFill>
+                <a:schemeClr val="accent6">
+                  <a:tint val="15000"/>
+                  <a:satMod val="200000"/>
+                </a:schemeClr>
+              </a:solidFill>
+              <a:effectLst>
+                <a:outerShdw blurRad="50800" dist="40000" dir="5400000" algn="tl" rotWithShape="0">
+                  <a:srgbClr val="000000">
+                    <a:shade val="5000"/>
+                    <a:satMod val="120000"/>
+                    <a:alpha val="33000"/>
+                  </a:srgbClr>
+                </a:outerShdw>
+              </a:effectLst>
+            </a:endParaRPr>
+          </a:p>
+        </p:txBody>
+      </p:sp>
+    </p:spTree>
+    <p:extLst>
+      <p:ext uri="{BB962C8B-B14F-4D97-AF65-F5344CB8AC3E}">
+        <p14:creationId xmlns:p14="http://schemas.microsoft.com/office/powerpoint/2010/main" val="3435538478"/>
+      </p:ext>
+    </p:extLst>
+  </p:cSld>
+  <p:clrMapOvr>
+    <a:masterClrMapping/>
+  </p:clrMapOvr>
+</p:sld>
+</file>
+
 <file path=ppt/theme/theme1.xml><?xml version="1.0" encoding="utf-8"?>
 <a:theme xmlns:a="http://schemas.openxmlformats.org/drawingml/2006/main" name="电路">
   <a:themeElements>
     <a:clrScheme name="电路">
       <a:dk1>
-        <a:sysClr val="windowText" lastClr="323232"/>
+        <a:sysClr val="windowText" lastClr="000000"/>
       </a:dk1>
       <a:lt1>
-        <a:sysClr val="window" lastClr="CCE8CF"/>
+        <a:sysClr val="window" lastClr="FFFFFF"/>
       </a:lt1>
       <a:dk2>
         <a:srgbClr val="134770"/>
@@ -13299,7 +13637,7 @@
   <a:extraClrSchemeLst/>
   <a:extLst>
     <a:ext uri="{05A4C25C-085E-4340-85A3-A5531E510DB2}">
-      <thm15:themeFamily xmlns:thm15="http://schemas.microsoft.com/office/thememl/2012/main" name="Circuit" id="{0AC2F7E7-15F5-431C-B2A2-456FE929F56C}" vid="{0911B802-464C-4241-8DD9-B60FF88E379F}"/>
+      <thm15:themeFamily xmlns:thm15="http://schemas.microsoft.com/office/thememl/2012/main" xmlns="" name="Circuit" id="{0AC2F7E7-15F5-431C-B2A2-456FE929F56C}" vid="{0911B802-464C-4241-8DD9-B60FF88E379F}"/>
     </a:ext>
   </a:extLst>
 </a:theme>
